--- a/作业3-探索分析.pptx
+++ b/作业3-探索分析.pptx
@@ -9,7 +9,6 @@
     <p:sldId id="260" r:id="rId3"/>
     <p:sldId id="259" r:id="rId4"/>
     <p:sldId id="262" r:id="rId5"/>
-    <p:sldId id="261" r:id="rId6"/>
   </p:sldIdLst>
   <p:sldSz cx="12192000" cy="6858000"/>
   <p:notesSz cx="6858000" cy="9144000"/>
@@ -247,7 +246,7 @@
           <a:p>
             <a:fld id="{697CB648-7F11-4C5A-91DB-973347A2A8FB}" type="datetimeFigureOut">
               <a:rPr lang="zh-CN" altLang="en-US" smtClean="0"/>
-              <a:t>2017/10/8</a:t>
+              <a:t>2017/10/12</a:t>
             </a:fld>
             <a:endParaRPr lang="zh-CN" altLang="en-US"/>
           </a:p>
@@ -412,7 +411,7 @@
           <a:p>
             <a:fld id="{697CB648-7F11-4C5A-91DB-973347A2A8FB}" type="datetimeFigureOut">
               <a:rPr lang="zh-CN" altLang="en-US" smtClean="0"/>
-              <a:t>2017/10/8</a:t>
+              <a:t>2017/10/12</a:t>
             </a:fld>
             <a:endParaRPr lang="zh-CN" altLang="en-US"/>
           </a:p>
@@ -587,7 +586,7 @@
           <a:p>
             <a:fld id="{697CB648-7F11-4C5A-91DB-973347A2A8FB}" type="datetimeFigureOut">
               <a:rPr lang="zh-CN" altLang="en-US" smtClean="0"/>
-              <a:t>2017/10/8</a:t>
+              <a:t>2017/10/12</a:t>
             </a:fld>
             <a:endParaRPr lang="zh-CN" altLang="en-US"/>
           </a:p>
@@ -752,7 +751,7 @@
           <a:p>
             <a:fld id="{697CB648-7F11-4C5A-91DB-973347A2A8FB}" type="datetimeFigureOut">
               <a:rPr lang="zh-CN" altLang="en-US" smtClean="0"/>
-              <a:t>2017/10/8</a:t>
+              <a:t>2017/10/12</a:t>
             </a:fld>
             <a:endParaRPr lang="zh-CN" altLang="en-US"/>
           </a:p>
@@ -993,7 +992,7 @@
           <a:p>
             <a:fld id="{697CB648-7F11-4C5A-91DB-973347A2A8FB}" type="datetimeFigureOut">
               <a:rPr lang="zh-CN" altLang="en-US" smtClean="0"/>
-              <a:t>2017/10/8</a:t>
+              <a:t>2017/10/12</a:t>
             </a:fld>
             <a:endParaRPr lang="zh-CN" altLang="en-US"/>
           </a:p>
@@ -1220,7 +1219,7 @@
           <a:p>
             <a:fld id="{697CB648-7F11-4C5A-91DB-973347A2A8FB}" type="datetimeFigureOut">
               <a:rPr lang="zh-CN" altLang="en-US" smtClean="0"/>
-              <a:t>2017/10/8</a:t>
+              <a:t>2017/10/12</a:t>
             </a:fld>
             <a:endParaRPr lang="zh-CN" altLang="en-US"/>
           </a:p>
@@ -1582,7 +1581,7 @@
           <a:p>
             <a:fld id="{697CB648-7F11-4C5A-91DB-973347A2A8FB}" type="datetimeFigureOut">
               <a:rPr lang="zh-CN" altLang="en-US" smtClean="0"/>
-              <a:t>2017/10/8</a:t>
+              <a:t>2017/10/12</a:t>
             </a:fld>
             <a:endParaRPr lang="zh-CN" altLang="en-US"/>
           </a:p>
@@ -1695,7 +1694,7 @@
           <a:p>
             <a:fld id="{697CB648-7F11-4C5A-91DB-973347A2A8FB}" type="datetimeFigureOut">
               <a:rPr lang="zh-CN" altLang="en-US" smtClean="0"/>
-              <a:t>2017/10/8</a:t>
+              <a:t>2017/10/12</a:t>
             </a:fld>
             <a:endParaRPr lang="zh-CN" altLang="en-US"/>
           </a:p>
@@ -1785,7 +1784,7 @@
           <a:p>
             <a:fld id="{697CB648-7F11-4C5A-91DB-973347A2A8FB}" type="datetimeFigureOut">
               <a:rPr lang="zh-CN" altLang="en-US" smtClean="0"/>
-              <a:t>2017/10/8</a:t>
+              <a:t>2017/10/12</a:t>
             </a:fld>
             <a:endParaRPr lang="zh-CN" altLang="en-US"/>
           </a:p>
@@ -2057,7 +2056,7 @@
           <a:p>
             <a:fld id="{697CB648-7F11-4C5A-91DB-973347A2A8FB}" type="datetimeFigureOut">
               <a:rPr lang="zh-CN" altLang="en-US" smtClean="0"/>
-              <a:t>2017/10/8</a:t>
+              <a:t>2017/10/12</a:t>
             </a:fld>
             <a:endParaRPr lang="zh-CN" altLang="en-US"/>
           </a:p>
@@ -2305,7 +2304,7 @@
           <a:p>
             <a:fld id="{697CB648-7F11-4C5A-91DB-973347A2A8FB}" type="datetimeFigureOut">
               <a:rPr lang="zh-CN" altLang="en-US" smtClean="0"/>
-              <a:t>2017/10/8</a:t>
+              <a:t>2017/10/12</a:t>
             </a:fld>
             <a:endParaRPr lang="zh-CN" altLang="en-US"/>
           </a:p>
@@ -2513,7 +2512,7 @@
           <a:p>
             <a:fld id="{697CB648-7F11-4C5A-91DB-973347A2A8FB}" type="datetimeFigureOut">
               <a:rPr lang="zh-CN" altLang="en-US" smtClean="0"/>
-              <a:t>2017/10/8</a:t>
+              <a:t>2017/10/12</a:t>
             </a:fld>
             <a:endParaRPr lang="zh-CN" altLang="en-US"/>
           </a:p>
@@ -3249,7 +3248,7 @@
             </a:r>
             <a:r>
               <a:rPr lang="en-US" altLang="zh-CN" dirty="0" smtClean="0"/>
-              <a:t>-</a:t>
+              <a:t>1-</a:t>
             </a:r>
             <a:r>
               <a:rPr lang="zh-CN" altLang="en-US" dirty="0" smtClean="0"/>
@@ -3276,7 +3275,43 @@
           <a:p>
             <a:r>
               <a:rPr lang="zh-CN" altLang="en-US" dirty="0" smtClean="0"/>
-              <a:t>试证明：</a:t>
+              <a:t>证明：</a:t>
+            </a:r>
+            <a:r>
+              <a:rPr lang="en-US" altLang="zh-CN" dirty="0" smtClean="0"/>
+              <a:t> </a:t>
+            </a:r>
+            <a:r>
+              <a:rPr lang="zh-CN" altLang="en-US" dirty="0" smtClean="0"/>
+              <a:t>为什么在计算平均发展速度时，几何平均值比算术平均值更为合理</a:t>
+            </a:r>
+            <a:r>
+              <a:rPr lang="zh-CN" altLang="en-US" dirty="0" smtClean="0"/>
+              <a:t>？以下表中本金与利率数据为</a:t>
+            </a:r>
+            <a:r>
+              <a:rPr lang="zh-CN" altLang="en-US" dirty="0" smtClean="0"/>
+              <a:t>例：设本金为</a:t>
+            </a:r>
+            <a:r>
+              <a:rPr lang="en-US" altLang="zh-CN" dirty="0" smtClean="0"/>
+              <a:t>Y</a:t>
+            </a:r>
+            <a:r>
+              <a:rPr lang="zh-CN" altLang="en-US" dirty="0" smtClean="0"/>
+              <a:t>和利率</a:t>
+            </a:r>
+            <a:r>
+              <a:rPr lang="en-US" altLang="zh-CN" dirty="0" smtClean="0"/>
+              <a:t>X</a:t>
+            </a:r>
+            <a:r>
+              <a:rPr lang="zh-CN" altLang="en-US" dirty="0" smtClean="0"/>
+              <a:t>如表所</a:t>
+            </a:r>
+            <a:r>
+              <a:rPr lang="zh-CN" altLang="en-US" dirty="0" smtClean="0"/>
+              <a:t>示。</a:t>
             </a:r>
             <a:endParaRPr lang="en-US" altLang="zh-CN" dirty="0" smtClean="0"/>
           </a:p>
@@ -3290,57 +3325,7 @@
             </a:r>
             <a:r>
               <a:rPr lang="zh-CN" altLang="en-US" dirty="0" smtClean="0"/>
-              <a:t>为什么在计算平均发展速度时，几何平均值比算术平均值更为合理？</a:t>
-            </a:r>
-            <a:endParaRPr lang="en-US" altLang="zh-CN" dirty="0" smtClean="0"/>
-          </a:p>
-          <a:p>
-            <a:pPr marL="0" indent="0">
-              <a:buNone/>
-            </a:pPr>
-            <a:r>
-              <a:rPr lang="en-US" altLang="zh-CN" dirty="0"/>
-              <a:t> </a:t>
-            </a:r>
-            <a:r>
-              <a:rPr lang="en-US" altLang="zh-CN" dirty="0" smtClean="0"/>
-              <a:t>   </a:t>
-            </a:r>
-            <a:r>
-              <a:rPr lang="zh-CN" altLang="en-US" dirty="0" smtClean="0"/>
-              <a:t>以银行利率计算为例：设本金为</a:t>
-            </a:r>
-            <a:r>
-              <a:rPr lang="en-US" altLang="zh-CN" dirty="0" smtClean="0"/>
-              <a:t>Y</a:t>
-            </a:r>
-            <a:r>
-              <a:rPr lang="zh-CN" altLang="en-US" dirty="0" smtClean="0"/>
-              <a:t>和</a:t>
-            </a:r>
-            <a:r>
-              <a:rPr lang="en-US" altLang="zh-CN" dirty="0" smtClean="0"/>
-              <a:t>3</a:t>
-            </a:r>
-            <a:r>
-              <a:rPr lang="zh-CN" altLang="en-US" dirty="0" smtClean="0"/>
-              <a:t>年利率</a:t>
-            </a:r>
-            <a:r>
-              <a:rPr lang="en-US" altLang="zh-CN" dirty="0" smtClean="0"/>
-              <a:t>X</a:t>
-            </a:r>
-            <a:r>
-              <a:rPr lang="zh-CN" altLang="en-US" dirty="0" smtClean="0"/>
-              <a:t>如表所示</a:t>
-            </a:r>
-            <a:r>
-              <a:rPr lang="zh-CN" altLang="en-US" dirty="0" smtClean="0"/>
-              <a:t>，证明几何平均</a:t>
-            </a:r>
-            <a:r>
-              <a:rPr lang="zh-CN" altLang="en-US" dirty="0" smtClean="0"/>
-              <a:t>值的合理性。</a:t>
+              <a:t>对于非负数属性值，判断几何平均值与算术平均值大小关系？</a:t>
             </a:r>
             <a:endParaRPr lang="zh-CN" altLang="en-US" dirty="0"/>
           </a:p>
@@ -3355,13 +3340,13 @@
           <p:nvPr>
             <p:extLst>
               <p:ext uri="{D42A27DB-BD31-4B8C-83A1-F6EECF244321}">
-                <p14:modId xmlns:p14="http://schemas.microsoft.com/office/powerpoint/2010/main" val="1688438868"/>
+                <p14:modId xmlns:p14="http://schemas.microsoft.com/office/powerpoint/2010/main" val="4112640059"/>
               </p:ext>
             </p:extLst>
           </p:nvPr>
         </p:nvGraphicFramePr>
         <p:xfrm>
-          <a:off x="6408597" y="3986206"/>
+          <a:off x="6776588" y="3863542"/>
           <a:ext cx="4945203" cy="1828800"/>
         </p:xfrm>
         <a:graphic>
@@ -3415,7 +3400,7 @@
                     <a:p>
                       <a:r>
                         <a:rPr lang="zh-CN" altLang="en-US" dirty="0" smtClean="0"/>
-                        <a:t>总量</a:t>
+                        <a:t>本金</a:t>
                       </a:r>
                       <a:r>
                         <a:rPr lang="en-US" altLang="zh-CN" dirty="0" smtClean="0"/>
@@ -3433,7 +3418,7 @@
                     <a:p>
                       <a:r>
                         <a:rPr lang="zh-CN" altLang="en-US" dirty="0" smtClean="0"/>
-                        <a:t>增长速度</a:t>
+                        <a:t>利率</a:t>
                       </a:r>
                       <a:r>
                         <a:rPr lang="en-US" altLang="zh-CN" dirty="0" smtClean="0"/>
@@ -3754,7 +3739,7 @@
             </a:r>
             <a:r>
               <a:rPr lang="en-US" altLang="zh-CN" dirty="0" smtClean="0"/>
-              <a:t>-</a:t>
+              <a:t>2-</a:t>
             </a:r>
             <a:r>
               <a:rPr lang="zh-CN" altLang="en-US" dirty="0" smtClean="0"/>
@@ -3779,7 +3764,9 @@
         </p:nvSpPr>
         <p:spPr/>
         <p:txBody>
-          <a:bodyPr/>
+          <a:bodyPr>
+            <a:normAutofit/>
+          </a:bodyPr>
           <a:lstStyle/>
           <a:p>
             <a:r>
@@ -3798,8 +3785,10 @@
               <a:rPr lang="en-US" altLang="zh-CN" dirty="0" smtClean="0"/>
               <a:t>iris</a:t>
             </a:r>
-          </a:p>
-          <a:p>
+            <a:r>
+              <a:rPr lang="zh-CN" altLang="en-US" dirty="0" smtClean="0"/>
+              <a:t>，即</a:t>
+            </a:r>
             <a:r>
               <a:rPr lang="en-US" altLang="zh-CN" dirty="0" smtClean="0"/>
               <a:t>data(“iris”)</a:t>
@@ -3808,7 +3797,42 @@
           <a:p>
             <a:r>
               <a:rPr lang="zh-CN" altLang="en-US" dirty="0" smtClean="0"/>
-              <a:t>对该数据集进行不放回随机抽样，将数据按数量分成</a:t>
+              <a:t>针对第一个变量的特征进行分析</a:t>
+            </a:r>
+            <a:endParaRPr lang="en-US" altLang="zh-CN" dirty="0" smtClean="0"/>
+          </a:p>
+          <a:p>
+            <a:pPr lvl="1"/>
+            <a:r>
+              <a:rPr lang="zh-CN" altLang="en-US" dirty="0" smtClean="0"/>
+              <a:t>算出均值、极差</a:t>
+            </a:r>
+            <a:endParaRPr lang="en-US" altLang="zh-CN" dirty="0" smtClean="0"/>
+          </a:p>
+          <a:p>
+            <a:pPr lvl="1"/>
+            <a:r>
+              <a:rPr lang="zh-CN" altLang="en-US" dirty="0" smtClean="0"/>
+              <a:t>计算四分位数、中位数、计算四分位距</a:t>
+            </a:r>
+            <a:endParaRPr lang="en-US" altLang="zh-CN" dirty="0" smtClean="0"/>
+          </a:p>
+          <a:p>
+            <a:pPr lvl="1"/>
+            <a:r>
+              <a:rPr lang="zh-CN" altLang="en-US" dirty="0" smtClean="0"/>
+              <a:t>画出箱图</a:t>
+            </a:r>
+            <a:endParaRPr lang="en-US" altLang="zh-CN" dirty="0" smtClean="0"/>
+          </a:p>
+          <a:p>
+            <a:r>
+              <a:rPr lang="zh-CN" altLang="en-US" dirty="0" smtClean="0"/>
+              <a:t>对</a:t>
+            </a:r>
+            <a:r>
+              <a:rPr lang="zh-CN" altLang="en-US" dirty="0" smtClean="0"/>
+              <a:t>该数据集进行不放回随机抽样，将数据按数量分成</a:t>
             </a:r>
             <a:r>
               <a:rPr lang="en-US" altLang="zh-CN" dirty="0" smtClean="0"/>
@@ -3824,18 +3848,7 @@
             </a:r>
             <a:r>
               <a:rPr lang="zh-CN" altLang="en-US" dirty="0" smtClean="0"/>
-              <a:t>两个样本</a:t>
-            </a:r>
-            <a:endParaRPr lang="en-US" altLang="zh-CN" dirty="0" smtClean="0"/>
-          </a:p>
-          <a:p>
-            <a:r>
-              <a:rPr lang="zh-CN" altLang="en-US" dirty="0" smtClean="0"/>
-              <a:t>对抽样后的数据集进行排序</a:t>
-            </a:r>
-            <a:r>
-              <a:rPr lang="zh-CN" altLang="en-US" dirty="0" smtClean="0"/>
-              <a:t>，对比两组的均值、极差、标准差</a:t>
+              <a:t>两个样本集</a:t>
             </a:r>
             <a:endParaRPr lang="zh-CN" altLang="en-US" dirty="0"/>
           </a:p>
@@ -3897,6 +3910,10 @@
               <a:rPr lang="zh-CN" altLang="en-US" dirty="0" smtClean="0"/>
               <a:t>作业</a:t>
             </a:r>
+            <a:r>
+              <a:rPr lang="en-US" altLang="zh-CN" dirty="0" smtClean="0"/>
+              <a:t>3</a:t>
+            </a:r>
             <a:endParaRPr lang="zh-CN" altLang="en-US" dirty="0"/>
           </a:p>
         </p:txBody>
@@ -3918,68 +3935,71 @@
           <a:p>
             <a:r>
               <a:rPr lang="zh-CN" altLang="en-US" dirty="0" smtClean="0"/>
-              <a:t>大学生调查数据，性格对大学生的影响有多大，试用调查数据进行探索分析并支撑你的观点。</a:t>
-            </a:r>
-            <a:endParaRPr lang="en-US" altLang="zh-CN" dirty="0" smtClean="0"/>
-          </a:p>
-          <a:p>
+              <a:t>利用大学生</a:t>
+            </a:r>
+            <a:r>
+              <a:rPr lang="zh-CN" altLang="en-US" dirty="0"/>
+              <a:t>调查</a:t>
+            </a:r>
             <a:r>
               <a:rPr lang="zh-CN" altLang="en-US" dirty="0" smtClean="0"/>
-              <a:t>除基本身份信息变量外，可能涉及到的变量：</a:t>
-            </a:r>
-            <a:endParaRPr lang="en-US" altLang="zh-CN" dirty="0" smtClean="0"/>
-          </a:p>
-          <a:p>
-            <a:pPr lvl="1"/>
+              <a:t>数据分析性格</a:t>
+            </a:r>
+            <a:r>
+              <a:rPr lang="zh-CN" altLang="en-US" dirty="0"/>
+              <a:t>对大学生的影响有多大</a:t>
+            </a:r>
+            <a:r>
+              <a:rPr lang="zh-CN" altLang="en-US" dirty="0" smtClean="0"/>
+              <a:t>，涉及变量：</a:t>
+            </a:r>
             <a:r>
               <a:rPr lang="en-US" altLang="zh-CN" dirty="0" smtClean="0"/>
               <a:t>a23</a:t>
             </a:r>
             <a:r>
               <a:rPr lang="zh-CN" altLang="en-US" dirty="0" smtClean="0"/>
-              <a:t>幸福感  </a:t>
-            </a:r>
-            <a:endParaRPr lang="en-US" altLang="zh-CN" dirty="0" smtClean="0"/>
-          </a:p>
-          <a:p>
-            <a:pPr lvl="1"/>
+              <a:t>幸福感，</a:t>
+            </a:r>
             <a:r>
               <a:rPr lang="en-US" altLang="zh-CN" dirty="0" smtClean="0"/>
               <a:t>B1</a:t>
             </a:r>
             <a:r>
+              <a:rPr lang="zh-CN" altLang="en-US" dirty="0"/>
+              <a:t>内外向性格自我</a:t>
+            </a:r>
+            <a:r>
               <a:rPr lang="zh-CN" altLang="en-US" dirty="0" smtClean="0"/>
-              <a:t>内外向性格自我评价</a:t>
+              <a:t>评价。试按照均值分成</a:t>
+            </a:r>
+            <a:r>
+              <a:rPr lang="zh-CN" altLang="en-US" dirty="0"/>
+              <a:t>高低两类，做交叉表</a:t>
+            </a:r>
+            <a:r>
+              <a:rPr lang="zh-CN" altLang="en-US" dirty="0" smtClean="0"/>
+              <a:t>分析，回答问题：</a:t>
             </a:r>
             <a:endParaRPr lang="en-US" altLang="zh-CN" dirty="0" smtClean="0"/>
           </a:p>
           <a:p>
+            <a:pPr lvl="1"/>
+            <a:r>
+              <a:rPr lang="zh-CN" altLang="en-US" dirty="0"/>
+              <a:t>男女生性格外向程度是否有差别</a:t>
+            </a:r>
+            <a:endParaRPr lang="en-US" altLang="zh-CN" dirty="0"/>
+          </a:p>
+          <a:p>
+            <a:pPr lvl="1"/>
             <a:r>
               <a:rPr lang="zh-CN" altLang="en-US" dirty="0" smtClean="0"/>
-              <a:t>试将变量按照均值或中位数分成高低两类，做交叉表分析</a:t>
-            </a:r>
-            <a:endParaRPr lang="en-US" altLang="zh-CN" dirty="0" smtClean="0"/>
-          </a:p>
-          <a:p>
+              <a:t>性格</a:t>
+            </a:r>
             <a:r>
               <a:rPr lang="zh-CN" altLang="en-US" dirty="0" smtClean="0"/>
-              <a:t>问题：</a:t>
-            </a:r>
-            <a:endParaRPr lang="en-US" altLang="zh-CN" dirty="0" smtClean="0"/>
-          </a:p>
-          <a:p>
-            <a:pPr lvl="1"/>
-            <a:r>
-              <a:rPr lang="zh-CN" altLang="en-US" dirty="0" smtClean="0"/>
-              <a:t>性格与幸福感之间是否有明显关联性</a:t>
-            </a:r>
-            <a:endParaRPr lang="en-US" altLang="zh-CN" dirty="0" smtClean="0"/>
-          </a:p>
-          <a:p>
-            <a:pPr lvl="1"/>
-            <a:r>
-              <a:rPr lang="zh-CN" altLang="en-US" dirty="0" smtClean="0"/>
-              <a:t>男女生性格外向程度是否有差别</a:t>
+              <a:t>与幸福感之间是否有明显关联性</a:t>
             </a:r>
             <a:endParaRPr lang="en-US" altLang="zh-CN" dirty="0" smtClean="0"/>
           </a:p>
@@ -3992,162 +4012,6 @@
     <p:extLst>
       <p:ext uri="{BB962C8B-B14F-4D97-AF65-F5344CB8AC3E}">
         <p14:creationId xmlns:p14="http://schemas.microsoft.com/office/powerpoint/2010/main" val="2183083850"/>
-      </p:ext>
-    </p:extLst>
-  </p:cSld>
-  <p:clrMapOvr>
-    <a:masterClrMapping/>
-  </p:clrMapOvr>
-</p:sld>
-</file>
-
-<file path=ppt/slides/slide5.xml><?xml version="1.0" encoding="utf-8"?>
-<p:sld xmlns:a="http://schemas.openxmlformats.org/drawingml/2006/main" xmlns:r="http://schemas.openxmlformats.org/officeDocument/2006/relationships" xmlns:p="http://schemas.openxmlformats.org/presentationml/2006/main">
-  <p:cSld>
-    <p:spTree>
-      <p:nvGrpSpPr>
-        <p:cNvPr id="1" name=""/>
-        <p:cNvGrpSpPr/>
-        <p:nvPr/>
-      </p:nvGrpSpPr>
-      <p:grpSpPr>
-        <a:xfrm>
-          <a:off x="0" y="0"/>
-          <a:ext cx="0" cy="0"/>
-          <a:chOff x="0" y="0"/>
-          <a:chExt cx="0" cy="0"/>
-        </a:xfrm>
-      </p:grpSpPr>
-      <p:sp>
-        <p:nvSpPr>
-          <p:cNvPr id="2" name="标题 1"/>
-          <p:cNvSpPr>
-            <a:spLocks noGrp="1"/>
-          </p:cNvSpPr>
-          <p:nvPr>
-            <p:ph type="title"/>
-          </p:nvPr>
-        </p:nvSpPr>
-        <p:spPr/>
-        <p:txBody>
-          <a:bodyPr/>
-          <a:lstStyle/>
-          <a:p>
-            <a:r>
-              <a:rPr lang="zh-CN" altLang="en-US" dirty="0" smtClean="0"/>
-              <a:t>奖励重点</a:t>
-            </a:r>
-            <a:endParaRPr lang="zh-CN" altLang="en-US" dirty="0"/>
-          </a:p>
-        </p:txBody>
-      </p:sp>
-      <p:sp>
-        <p:nvSpPr>
-          <p:cNvPr id="3" name="内容占位符 2"/>
-          <p:cNvSpPr>
-            <a:spLocks noGrp="1"/>
-          </p:cNvSpPr>
-          <p:nvPr>
-            <p:ph idx="1"/>
-          </p:nvPr>
-        </p:nvSpPr>
-        <p:spPr/>
-        <p:txBody>
-          <a:bodyPr/>
-          <a:lstStyle/>
-          <a:p>
-            <a:r>
-              <a:rPr lang="zh-CN" altLang="en-US" dirty="0" smtClean="0"/>
-              <a:t>本次作业留有足够多的发挥余地，可以尝试更多方法（如新的分组标准或新的变量）进行分析</a:t>
-            </a:r>
-            <a:endParaRPr lang="en-US" altLang="zh-CN" dirty="0" smtClean="0"/>
-          </a:p>
-          <a:p>
-            <a:pPr lvl="1"/>
-            <a:r>
-              <a:rPr lang="zh-CN" altLang="en-US" dirty="0" smtClean="0"/>
-              <a:t>考察</a:t>
-            </a:r>
-            <a:r>
-              <a:rPr lang="zh-CN" altLang="en-US" dirty="0" smtClean="0"/>
-              <a:t>代码使用的</a:t>
-            </a:r>
-            <a:r>
-              <a:rPr lang="zh-CN" altLang="en-US" dirty="0" smtClean="0"/>
-              <a:t>合理性，</a:t>
-            </a:r>
-            <a:r>
-              <a:rPr lang="zh-CN" altLang="en-US" dirty="0" smtClean="0"/>
-              <a:t>不预</a:t>
-            </a:r>
-            <a:r>
-              <a:rPr lang="zh-CN" altLang="en-US" dirty="0" smtClean="0"/>
-              <a:t>设标准答案</a:t>
-            </a:r>
-            <a:endParaRPr lang="en-US" altLang="zh-CN" dirty="0" smtClean="0"/>
-          </a:p>
-          <a:p>
-            <a:pPr lvl="1"/>
-            <a:r>
-              <a:rPr lang="zh-CN" altLang="en-US" dirty="0" smtClean="0"/>
-              <a:t>计算出结果但无</a:t>
-            </a:r>
-            <a:r>
-              <a:rPr lang="zh-CN" altLang="en-US" dirty="0" smtClean="0"/>
-              <a:t>分析者</a:t>
-            </a:r>
-            <a:r>
-              <a:rPr lang="zh-CN" altLang="en-US" dirty="0" smtClean="0"/>
-              <a:t>按未完成评判</a:t>
-            </a:r>
-            <a:endParaRPr lang="en-US" altLang="zh-CN" dirty="0" smtClean="0"/>
-          </a:p>
-          <a:p>
-            <a:pPr lvl="1"/>
-            <a:r>
-              <a:rPr lang="zh-CN" altLang="en-US" dirty="0" smtClean="0"/>
-              <a:t>奖励主题范围内的自由探索，</a:t>
-            </a:r>
-            <a:r>
-              <a:rPr lang="zh-CN" altLang="en-US" dirty="0"/>
-              <a:t>即尝试发现一些不易察觉的</a:t>
-            </a:r>
-            <a:r>
-              <a:rPr lang="zh-CN" altLang="en-US" dirty="0" smtClean="0"/>
-              <a:t>结论，按</a:t>
-            </a:r>
-            <a:r>
-              <a:rPr lang="zh-CN" altLang="en-US" dirty="0" smtClean="0"/>
-              <a:t>难度和有效</a:t>
-            </a:r>
-            <a:r>
-              <a:rPr lang="zh-CN" altLang="en-US" dirty="0" smtClean="0"/>
-              <a:t>工作量为依据</a:t>
-            </a:r>
-            <a:endParaRPr lang="en-US" altLang="zh-CN" dirty="0" smtClean="0"/>
-          </a:p>
-          <a:p>
-            <a:pPr lvl="1"/>
-            <a:r>
-              <a:rPr lang="zh-CN" altLang="en-US" dirty="0" smtClean="0"/>
-              <a:t>抄</a:t>
-            </a:r>
-            <a:r>
-              <a:rPr lang="zh-CN" altLang="en-US" dirty="0" smtClean="0"/>
-              <a:t>作业零分</a:t>
-            </a:r>
-            <a:endParaRPr lang="en-US" altLang="zh-CN" dirty="0" smtClean="0"/>
-          </a:p>
-          <a:p>
-            <a:pPr lvl="1"/>
-            <a:endParaRPr lang="zh-CN" altLang="en-US" dirty="0"/>
-          </a:p>
-        </p:txBody>
-      </p:sp>
-    </p:spTree>
-    <p:extLst>
-      <p:ext uri="{BB962C8B-B14F-4D97-AF65-F5344CB8AC3E}">
-        <p14:creationId xmlns:p14="http://schemas.microsoft.com/office/powerpoint/2010/main" val="1978832730"/>
       </p:ext>
     </p:extLst>
   </p:cSld>
